--- a/LC_Readings_Template.pptx
+++ b/LC_Readings_Template.pptx
@@ -5,12 +5,8 @@
     <p:sldMasterId id="2147483648" r:id="rId1"/>
   </p:sldMasterIdLst>
   <p:notesMasterIdLst>
-    <p:notesMasterId r:id="rId4"/>
+    <p:notesMasterId r:id="rId2"/>
   </p:notesMasterIdLst>
-  <p:sldIdLst>
-    <p:sldId id="256" r:id="rId2"/>
-    <p:sldId id="257" r:id="rId3"/>
-  </p:sldIdLst>
   <p:sldSz cx="12192000" cy="6858000"/>
   <p:notesSz cx="6858000" cy="9144000"/>
   <p:defaultTextStyle>
@@ -1398,202 +1394,6 @@
     </p:otherStyle>
   </p:txStyles>
 </p:sldMaster>
-</file>
-
-<file path=ppt/slides/slide1.xml><?xml version="1.0" encoding="utf-8"?>
-<p:sld xmlns:a="http://schemas.openxmlformats.org/drawingml/2006/main" xmlns:r="http://schemas.openxmlformats.org/officeDocument/2006/relationships" xmlns:p="http://schemas.openxmlformats.org/presentationml/2006/main">
-  <p:cSld>
-    <p:spTree>
-      <p:nvGrpSpPr>
-        <p:cNvPr id="1" name=""/>
-        <p:cNvGrpSpPr/>
-        <p:nvPr/>
-      </p:nvGrpSpPr>
-      <p:grpSpPr>
-        <a:xfrm>
-          <a:off x="0" y="0"/>
-          <a:ext cx="0" cy="0"/>
-          <a:chOff x="0" y="0"/>
-          <a:chExt cx="0" cy="0"/>
-        </a:xfrm>
-      </p:grpSpPr>
-      <p:sp>
-        <p:nvSpPr>
-          <p:cNvPr id="2" name="Title 1">
-            <a:extLst>
-              <a:ext uri="{FF2B5EF4-FFF2-40B4-BE49-F238E27FC236}">
-                <a16:creationId xmlns:a16="http://schemas.microsoft.com/office/drawing/2014/main" id="{3456F15E-71B8-204F-A050-8CCDF4C6A4BE}"/>
-              </a:ext>
-            </a:extLst>
-          </p:cNvPr>
-          <p:cNvSpPr>
-            <a:spLocks noGrp="1"/>
-          </p:cNvSpPr>
-          <p:nvPr>
-            <p:ph type="ctrTitle"/>
-          </p:nvPr>
-        </p:nvSpPr>
-        <p:spPr/>
-        <p:txBody>
-          <a:bodyPr/>
-          <a:lstStyle/>
-          <a:p>
-            <a:endParaRPr lang="en-US" dirty="0"/>
-          </a:p>
-        </p:txBody>
-      </p:sp>
-      <p:sp>
-        <p:nvSpPr>
-          <p:cNvPr id="3" name="Subtitle 2">
-            <a:extLst>
-              <a:ext uri="{FF2B5EF4-FFF2-40B4-BE49-F238E27FC236}">
-                <a16:creationId xmlns:a16="http://schemas.microsoft.com/office/drawing/2014/main" id="{9ED71883-08E3-214A-B6A2-2CBFA523C252}"/>
-              </a:ext>
-            </a:extLst>
-          </p:cNvPr>
-          <p:cNvSpPr>
-            <a:spLocks noGrp="1"/>
-          </p:cNvSpPr>
-          <p:nvPr>
-            <p:ph type="subTitle" idx="1"/>
-          </p:nvPr>
-        </p:nvSpPr>
-        <p:spPr/>
-        <p:txBody>
-          <a:bodyPr/>
-          <a:lstStyle/>
-          <a:p>
-            <a:endParaRPr lang="en-US" dirty="0"/>
-          </a:p>
-        </p:txBody>
-      </p:sp>
-      <p:sp>
-        <p:nvSpPr>
-          <p:cNvPr id="4" name="Slide Number Placeholder 3">
-            <a:extLst>
-              <a:ext uri="{FF2B5EF4-FFF2-40B4-BE49-F238E27FC236}">
-                <a16:creationId xmlns:a16="http://schemas.microsoft.com/office/drawing/2014/main" id="{EB4A86D2-0569-9941-BCAF-387ABC263167}"/>
-              </a:ext>
-            </a:extLst>
-          </p:cNvPr>
-          <p:cNvSpPr>
-            <a:spLocks noGrp="1"/>
-          </p:cNvSpPr>
-          <p:nvPr>
-            <p:ph type="sldNum" sz="quarter" idx="12"/>
-          </p:nvPr>
-        </p:nvSpPr>
-        <p:spPr/>
-        <p:txBody>
-          <a:bodyPr/>
-          <a:lstStyle/>
-          <a:p>
-            <a:fld id="{75861C88-B251-CB4B-90F7-A5A203312CB3}" type="slidenum">
-              <a:rPr lang="en-US" smtClean="0"/>
-              <a:t>1</a:t>
-            </a:fld>
-            <a:endParaRPr lang="en-US"/>
-          </a:p>
-        </p:txBody>
-      </p:sp>
-    </p:spTree>
-    <p:extLst>
-      <p:ext uri="{BB962C8B-B14F-4D97-AF65-F5344CB8AC3E}">
-        <p14:creationId xmlns:p14="http://schemas.microsoft.com/office/powerpoint/2010/main" val="1021863069"/>
-      </p:ext>
-    </p:extLst>
-  </p:cSld>
-  <p:clrMapOvr>
-    <a:masterClrMapping/>
-  </p:clrMapOvr>
-</p:sld>
-</file>
-
-<file path=ppt/slides/slide2.xml><?xml version="1.0" encoding="utf-8"?>
-<p:sld xmlns:a="http://schemas.openxmlformats.org/drawingml/2006/main" xmlns:r="http://schemas.openxmlformats.org/officeDocument/2006/relationships" xmlns:p="http://schemas.openxmlformats.org/presentationml/2006/main">
-  <p:cSld>
-    <p:spTree>
-      <p:nvGrpSpPr>
-        <p:cNvPr id="1" name=""/>
-        <p:cNvGrpSpPr/>
-        <p:nvPr/>
-      </p:nvGrpSpPr>
-      <p:grpSpPr>
-        <a:xfrm>
-          <a:off x="0" y="0"/>
-          <a:ext cx="0" cy="0"/>
-          <a:chOff x="0" y="0"/>
-          <a:chExt cx="0" cy="0"/>
-        </a:xfrm>
-      </p:grpSpPr>
-      <p:sp>
-        <p:nvSpPr>
-          <p:cNvPr id="2" name="Content Placeholder 1">
-            <a:extLst>
-              <a:ext uri="{FF2B5EF4-FFF2-40B4-BE49-F238E27FC236}">
-                <a16:creationId xmlns:a16="http://schemas.microsoft.com/office/drawing/2014/main" id="{D879D584-A0C0-C744-ACCC-EA99987B99EC}"/>
-              </a:ext>
-            </a:extLst>
-          </p:cNvPr>
-          <p:cNvSpPr>
-            <a:spLocks noGrp="1"/>
-          </p:cNvSpPr>
-          <p:nvPr>
-            <p:ph idx="1"/>
-          </p:nvPr>
-        </p:nvSpPr>
-        <p:spPr/>
-        <p:txBody>
-          <a:bodyPr/>
-          <a:lstStyle/>
-          <a:p>
-            <a:r>
-              <a:rPr lang="en-US" dirty="0"/>
-              <a:t>Testing, testing!</a:t>
-            </a:r>
-          </a:p>
-        </p:txBody>
-      </p:sp>
-      <p:sp>
-        <p:nvSpPr>
-          <p:cNvPr id="3" name="Slide Number Placeholder 2">
-            <a:extLst>
-              <a:ext uri="{FF2B5EF4-FFF2-40B4-BE49-F238E27FC236}">
-                <a16:creationId xmlns:a16="http://schemas.microsoft.com/office/drawing/2014/main" id="{85C65B26-DF22-A543-A57F-360DE937F727}"/>
-              </a:ext>
-            </a:extLst>
-          </p:cNvPr>
-          <p:cNvSpPr>
-            <a:spLocks noGrp="1"/>
-          </p:cNvSpPr>
-          <p:nvPr>
-            <p:ph type="sldNum" sz="quarter" idx="12"/>
-          </p:nvPr>
-        </p:nvSpPr>
-        <p:spPr/>
-        <p:txBody>
-          <a:bodyPr/>
-          <a:lstStyle/>
-          <a:p>
-            <a:fld id="{75861C88-B251-CB4B-90F7-A5A203312CB3}" type="slidenum">
-              <a:rPr lang="en-US" smtClean="0"/>
-              <a:t>2</a:t>
-            </a:fld>
-            <a:endParaRPr lang="en-US"/>
-          </a:p>
-        </p:txBody>
-      </p:sp>
-    </p:spTree>
-    <p:extLst>
-      <p:ext uri="{BB962C8B-B14F-4D97-AF65-F5344CB8AC3E}">
-        <p14:creationId xmlns:p14="http://schemas.microsoft.com/office/powerpoint/2010/main" val="51092750"/>
-      </p:ext>
-    </p:extLst>
-  </p:cSld>
-  <p:clrMapOvr>
-    <a:masterClrMapping/>
-  </p:clrMapOvr>
-</p:sld>
 </file>
 
 <file path=ppt/theme/theme1.xml><?xml version="1.0" encoding="utf-8"?>
